--- a/pro01.pptx
+++ b/pro01.pptx
@@ -289,7 +289,7 @@
           <a:p>
             <a:fld id="{777C6190-F7A8-4043-83B7-687FE88626FC}" type="datetimeFigureOut">
               <a:rPr lang="ko-KR" altLang="en-US" smtClean="0"/>
-              <a:t>2023-08-08</a:t>
+              <a:t>2023-08-09</a:t>
             </a:fld>
             <a:endParaRPr lang="ko-KR" altLang="en-US"/>
           </a:p>
@@ -459,7 +459,7 @@
           <a:p>
             <a:fld id="{777C6190-F7A8-4043-83B7-687FE88626FC}" type="datetimeFigureOut">
               <a:rPr lang="ko-KR" altLang="en-US" smtClean="0"/>
-              <a:t>2023-08-08</a:t>
+              <a:t>2023-08-09</a:t>
             </a:fld>
             <a:endParaRPr lang="ko-KR" altLang="en-US"/>
           </a:p>
@@ -639,7 +639,7 @@
           <a:p>
             <a:fld id="{777C6190-F7A8-4043-83B7-687FE88626FC}" type="datetimeFigureOut">
               <a:rPr lang="ko-KR" altLang="en-US" smtClean="0"/>
-              <a:t>2023-08-08</a:t>
+              <a:t>2023-08-09</a:t>
             </a:fld>
             <a:endParaRPr lang="ko-KR" altLang="en-US"/>
           </a:p>
@@ -809,7 +809,7 @@
           <a:p>
             <a:fld id="{777C6190-F7A8-4043-83B7-687FE88626FC}" type="datetimeFigureOut">
               <a:rPr lang="ko-KR" altLang="en-US" smtClean="0"/>
-              <a:t>2023-08-08</a:t>
+              <a:t>2023-08-09</a:t>
             </a:fld>
             <a:endParaRPr lang="ko-KR" altLang="en-US"/>
           </a:p>
@@ -1055,7 +1055,7 @@
           <a:p>
             <a:fld id="{777C6190-F7A8-4043-83B7-687FE88626FC}" type="datetimeFigureOut">
               <a:rPr lang="ko-KR" altLang="en-US" smtClean="0"/>
-              <a:t>2023-08-08</a:t>
+              <a:t>2023-08-09</a:t>
             </a:fld>
             <a:endParaRPr lang="ko-KR" altLang="en-US"/>
           </a:p>
@@ -1343,7 +1343,7 @@
           <a:p>
             <a:fld id="{777C6190-F7A8-4043-83B7-687FE88626FC}" type="datetimeFigureOut">
               <a:rPr lang="ko-KR" altLang="en-US" smtClean="0"/>
-              <a:t>2023-08-08</a:t>
+              <a:t>2023-08-09</a:t>
             </a:fld>
             <a:endParaRPr lang="ko-KR" altLang="en-US"/>
           </a:p>
@@ -1765,7 +1765,7 @@
           <a:p>
             <a:fld id="{777C6190-F7A8-4043-83B7-687FE88626FC}" type="datetimeFigureOut">
               <a:rPr lang="ko-KR" altLang="en-US" smtClean="0"/>
-              <a:t>2023-08-08</a:t>
+              <a:t>2023-08-09</a:t>
             </a:fld>
             <a:endParaRPr lang="ko-KR" altLang="en-US"/>
           </a:p>
@@ -1883,7 +1883,7 @@
           <a:p>
             <a:fld id="{777C6190-F7A8-4043-83B7-687FE88626FC}" type="datetimeFigureOut">
               <a:rPr lang="ko-KR" altLang="en-US" smtClean="0"/>
-              <a:t>2023-08-08</a:t>
+              <a:t>2023-08-09</a:t>
             </a:fld>
             <a:endParaRPr lang="ko-KR" altLang="en-US"/>
           </a:p>
@@ -1978,7 +1978,7 @@
           <a:p>
             <a:fld id="{777C6190-F7A8-4043-83B7-687FE88626FC}" type="datetimeFigureOut">
               <a:rPr lang="ko-KR" altLang="en-US" smtClean="0"/>
-              <a:t>2023-08-08</a:t>
+              <a:t>2023-08-09</a:t>
             </a:fld>
             <a:endParaRPr lang="ko-KR" altLang="en-US"/>
           </a:p>
@@ -2255,7 +2255,7 @@
           <a:p>
             <a:fld id="{777C6190-F7A8-4043-83B7-687FE88626FC}" type="datetimeFigureOut">
               <a:rPr lang="ko-KR" altLang="en-US" smtClean="0"/>
-              <a:t>2023-08-08</a:t>
+              <a:t>2023-08-09</a:t>
             </a:fld>
             <a:endParaRPr lang="ko-KR" altLang="en-US"/>
           </a:p>
@@ -2508,7 +2508,7 @@
           <a:p>
             <a:fld id="{777C6190-F7A8-4043-83B7-687FE88626FC}" type="datetimeFigureOut">
               <a:rPr lang="ko-KR" altLang="en-US" smtClean="0"/>
-              <a:t>2023-08-08</a:t>
+              <a:t>2023-08-09</a:t>
             </a:fld>
             <a:endParaRPr lang="ko-KR" altLang="en-US"/>
           </a:p>
@@ -2721,7 +2721,7 @@
           <a:p>
             <a:fld id="{777C6190-F7A8-4043-83B7-687FE88626FC}" type="datetimeFigureOut">
               <a:rPr lang="ko-KR" altLang="en-US" smtClean="0"/>
-              <a:t>2023-08-08</a:t>
+              <a:t>2023-08-09</a:t>
             </a:fld>
             <a:endParaRPr lang="ko-KR" altLang="en-US"/>
           </a:p>
@@ -5484,173 +5484,18 @@
           </a:p>
         </p:txBody>
       </p:sp>
-      <p:sp>
-        <p:nvSpPr>
-          <p:cNvPr id="37" name="직사각형 36"/>
-          <p:cNvSpPr/>
-          <p:nvPr/>
-        </p:nvSpPr>
-        <p:spPr>
-          <a:xfrm>
-            <a:off x="2494200" y="2686400"/>
-            <a:ext cx="2232248" cy="432048"/>
-          </a:xfrm>
-          <a:prstGeom prst="rect">
-            <a:avLst/>
-          </a:prstGeom>
-        </p:spPr>
-        <p:style>
-          <a:lnRef idx="2">
-            <a:schemeClr val="accent2">
-              <a:shade val="50000"/>
-            </a:schemeClr>
-          </a:lnRef>
-          <a:fillRef idx="1">
-            <a:schemeClr val="accent2"/>
-          </a:fillRef>
-          <a:effectRef idx="0">
-            <a:schemeClr val="accent2"/>
-          </a:effectRef>
-          <a:fontRef idx="minor">
-            <a:schemeClr val="lt1"/>
-          </a:fontRef>
-        </p:style>
-        <p:txBody>
-          <a:bodyPr rtlCol="0" anchor="ctr"/>
-          <a:lstStyle/>
-          <a:p>
-            <a:pPr algn="ctr"/>
-            <a:r>
-              <a:rPr lang="en-US" altLang="ko-KR" sz="1600" dirty="0" err="1" smtClean="0"/>
-              <a:t>addAnswer.jsp</a:t>
-            </a:r>
-            <a:endParaRPr lang="ko-KR" altLang="en-US" sz="1600" dirty="0"/>
-          </a:p>
-        </p:txBody>
-      </p:sp>
-      <p:sp>
-        <p:nvSpPr>
-          <p:cNvPr id="38" name="직사각형 37"/>
-          <p:cNvSpPr/>
-          <p:nvPr/>
-        </p:nvSpPr>
-        <p:spPr>
-          <a:xfrm>
-            <a:off x="5220072" y="2686400"/>
-            <a:ext cx="2232248" cy="432048"/>
-          </a:xfrm>
-          <a:prstGeom prst="rect">
-            <a:avLst/>
-          </a:prstGeom>
-        </p:spPr>
-        <p:style>
-          <a:lnRef idx="2">
-            <a:schemeClr val="accent2">
-              <a:shade val="50000"/>
-            </a:schemeClr>
-          </a:lnRef>
-          <a:fillRef idx="1">
-            <a:schemeClr val="accent2"/>
-          </a:fillRef>
-          <a:effectRef idx="0">
-            <a:schemeClr val="accent2"/>
-          </a:effectRef>
-          <a:fontRef idx="minor">
-            <a:schemeClr val="lt1"/>
-          </a:fontRef>
-        </p:style>
-        <p:txBody>
-          <a:bodyPr rtlCol="0" anchor="ctr"/>
-          <a:lstStyle/>
-          <a:p>
-            <a:pPr algn="ctr"/>
-            <a:r>
-              <a:rPr lang="en-US" altLang="ko-KR" sz="1600" dirty="0" err="1" smtClean="0"/>
-              <a:t>addAnswerPro.jsp</a:t>
-            </a:r>
-            <a:endParaRPr lang="ko-KR" altLang="en-US" sz="1600" dirty="0"/>
-          </a:p>
-        </p:txBody>
-      </p:sp>
       <p:cxnSp>
         <p:nvCxnSpPr>
           <p:cNvPr id="35" name="직선 화살표 연결선 34"/>
-          <p:cNvCxnSpPr/>
+          <p:cNvCxnSpPr>
+            <a:stCxn id="14" idx="0"/>
+          </p:cNvCxnSpPr>
           <p:nvPr/>
         </p:nvCxnSpPr>
         <p:spPr>
           <a:xfrm flipV="1">
-            <a:off x="3059832" y="3143370"/>
-            <a:ext cx="360040" cy="501654"/>
-          </a:xfrm>
-          <a:prstGeom prst="straightConnector1">
-            <a:avLst/>
-          </a:prstGeom>
-          <a:ln>
-            <a:tailEnd type="arrow"/>
-          </a:ln>
-        </p:spPr>
-        <p:style>
-          <a:lnRef idx="1">
-            <a:schemeClr val="accent1"/>
-          </a:lnRef>
-          <a:fillRef idx="0">
-            <a:schemeClr val="accent1"/>
-          </a:fillRef>
-          <a:effectRef idx="0">
-            <a:schemeClr val="accent1"/>
-          </a:effectRef>
-          <a:fontRef idx="minor">
-            <a:schemeClr val="tx1"/>
-          </a:fontRef>
-        </p:style>
-      </p:cxnSp>
-      <p:cxnSp>
-        <p:nvCxnSpPr>
-          <p:cNvPr id="39" name="직선 화살표 연결선 38"/>
-          <p:cNvCxnSpPr>
-            <a:stCxn id="37" idx="3"/>
-            <a:endCxn id="38" idx="1"/>
-          </p:cNvCxnSpPr>
-          <p:nvPr/>
-        </p:nvCxnSpPr>
-        <p:spPr>
-          <a:xfrm>
-            <a:off x="4726448" y="2902424"/>
-            <a:ext cx="493624" cy="0"/>
-          </a:xfrm>
-          <a:prstGeom prst="straightConnector1">
-            <a:avLst/>
-          </a:prstGeom>
-          <a:ln>
-            <a:tailEnd type="arrow"/>
-          </a:ln>
-        </p:spPr>
-        <p:style>
-          <a:lnRef idx="1">
-            <a:schemeClr val="accent1"/>
-          </a:lnRef>
-          <a:fillRef idx="0">
-            <a:schemeClr val="accent1"/>
-          </a:fillRef>
-          <a:effectRef idx="0">
-            <a:schemeClr val="accent1"/>
-          </a:effectRef>
-          <a:fontRef idx="minor">
-            <a:schemeClr val="tx1"/>
-          </a:fontRef>
-        </p:style>
-      </p:cxnSp>
-      <p:cxnSp>
-        <p:nvCxnSpPr>
-          <p:cNvPr id="40" name="직선 화살표 연결선 39"/>
-          <p:cNvCxnSpPr/>
-          <p:nvPr/>
-        </p:nvCxnSpPr>
-        <p:spPr>
-          <a:xfrm>
-            <a:off x="7452320" y="2991042"/>
-            <a:ext cx="852392" cy="654577"/>
+            <a:off x="3311860" y="2237225"/>
+            <a:ext cx="0" cy="1407799"/>
           </a:xfrm>
           <a:prstGeom prst="straightConnector1">
             <a:avLst/>

--- a/pro01.pptx
+++ b/pro01.pptx
@@ -7,6 +7,7 @@
   <p:sldIdLst>
     <p:sldId id="256" r:id="rId2"/>
     <p:sldId id="257" r:id="rId3"/>
+    <p:sldId id="258" r:id="rId4"/>
   </p:sldIdLst>
   <p:sldSz cx="9144000" cy="6858000" type="screen4x3"/>
   <p:notesSz cx="6858000" cy="9144000"/>
@@ -4407,7 +4408,7 @@
           <a:p>
             <a:pPr algn="ctr"/>
             <a:r>
-              <a:rPr lang="en-US" altLang="ko-KR" sz="1600" dirty="0" err="1" smtClean="0"/>
+              <a:rPr lang="en-US" altLang="ko-KR" sz="1600" smtClean="0"/>
               <a:t>qnaList.jsp</a:t>
             </a:r>
             <a:endParaRPr lang="ko-KR" altLang="en-US" sz="1600" dirty="0"/>
@@ -4672,7 +4673,7 @@
           <a:lstStyle/>
           <a:p>
             <a:r>
-              <a:rPr lang="en-US" altLang="ko-KR" dirty="0" err="1" smtClean="0"/>
+              <a:rPr lang="en-US" altLang="ko-KR" smtClean="0"/>
               <a:t>qna</a:t>
             </a:r>
             <a:endParaRPr lang="ko-KR" altLang="en-US" dirty="0"/>
@@ -4702,7 +4703,7 @@
           <a:lstStyle/>
           <a:p>
             <a:r>
-              <a:rPr lang="en-US" altLang="ko-KR" dirty="0" err="1" smtClean="0"/>
+              <a:rPr lang="en-US" altLang="ko-KR" smtClean="0"/>
               <a:t>qna</a:t>
             </a:r>
             <a:endParaRPr lang="ko-KR" altLang="en-US" dirty="0"/>
@@ -4746,7 +4747,7 @@
           <a:p>
             <a:pPr algn="ctr"/>
             <a:r>
-              <a:rPr lang="en-US" altLang="ko-KR" sz="1600" dirty="0" err="1" smtClean="0"/>
+              <a:rPr lang="en-US" altLang="ko-KR" sz="1600" smtClean="0"/>
               <a:t>getQna.jsp</a:t>
             </a:r>
             <a:endParaRPr lang="ko-KR" altLang="en-US" sz="1600" dirty="0"/>
@@ -4790,7 +4791,7 @@
           <a:p>
             <a:pPr algn="ctr"/>
             <a:r>
-              <a:rPr lang="en-US" altLang="ko-KR" sz="1600" dirty="0" err="1" smtClean="0"/>
+              <a:rPr lang="en-US" altLang="ko-KR" sz="1600" smtClean="0"/>
               <a:t>updateQna.jsp</a:t>
             </a:r>
             <a:endParaRPr lang="ko-KR" altLang="en-US" sz="1600" dirty="0"/>
@@ -4834,7 +4835,7 @@
           <a:p>
             <a:pPr algn="ctr"/>
             <a:r>
-              <a:rPr lang="en-US" altLang="ko-KR" sz="1600" dirty="0" err="1" smtClean="0"/>
+              <a:rPr lang="en-US" altLang="ko-KR" sz="1600" smtClean="0"/>
               <a:t>delQna.jsp</a:t>
             </a:r>
             <a:endParaRPr lang="ko-KR" altLang="en-US" sz="1600" dirty="0"/>
@@ -4913,7 +4914,7 @@
           <a:p>
             <a:pPr algn="ctr"/>
             <a:r>
-              <a:rPr lang="en-US" altLang="ko-KR" sz="1600" dirty="0" err="1" smtClean="0"/>
+              <a:rPr lang="en-US" altLang="ko-KR" sz="1600" smtClean="0"/>
               <a:t>updateQnaPro.jsp</a:t>
             </a:r>
             <a:endParaRPr lang="ko-KR" altLang="en-US" sz="1600" dirty="0"/>
@@ -5156,7 +5157,7 @@
           <a:lstStyle/>
           <a:p>
             <a:r>
-              <a:rPr lang="en-US" altLang="ko-KR" dirty="0" err="1" smtClean="0"/>
+              <a:rPr lang="en-US" altLang="ko-KR" smtClean="0"/>
               <a:t>qna</a:t>
             </a:r>
             <a:endParaRPr lang="ko-KR" altLang="en-US" dirty="0"/>
@@ -5254,7 +5255,7 @@
           <a:lstStyle/>
           <a:p>
             <a:r>
-              <a:rPr lang="en-US" altLang="ko-KR" dirty="0" err="1" smtClean="0"/>
+              <a:rPr lang="en-US" altLang="ko-KR" smtClean="0"/>
               <a:t>qna</a:t>
             </a:r>
             <a:endParaRPr lang="ko-KR" altLang="en-US" dirty="0"/>
@@ -5284,24 +5285,8 @@
           <a:lstStyle/>
           <a:p>
             <a:r>
-              <a:rPr lang="en-US" altLang="ko-KR" dirty="0" err="1" smtClean="0"/>
-              <a:t>ArrayList</a:t>
-            </a:r>
-            <a:r>
-              <a:rPr lang="en-US" altLang="ko-KR" dirty="0" smtClean="0"/>
-              <a:t>(</a:t>
-            </a:r>
-            <a:r>
-              <a:rPr lang="en-US" altLang="ko-KR" dirty="0" err="1"/>
-              <a:t>q</a:t>
-            </a:r>
-            <a:r>
-              <a:rPr lang="en-US" altLang="ko-KR" dirty="0" err="1" smtClean="0"/>
-              <a:t>na</a:t>
-            </a:r>
-            <a:r>
-              <a:rPr lang="en-US" altLang="ko-KR" dirty="0" smtClean="0"/>
-              <a:t>)</a:t>
+              <a:rPr lang="en-US" altLang="ko-KR" smtClean="0"/>
+              <a:t>ArrayList(qna)</a:t>
             </a:r>
             <a:endParaRPr lang="ko-KR" altLang="en-US" dirty="0"/>
           </a:p>
@@ -5439,7 +5424,7 @@
           <a:lstStyle/>
           <a:p>
             <a:r>
-              <a:rPr lang="en-US" altLang="ko-KR" dirty="0" err="1" smtClean="0"/>
+              <a:rPr lang="en-US" altLang="ko-KR" smtClean="0"/>
               <a:t>qna</a:t>
             </a:r>
             <a:endParaRPr lang="ko-KR" altLang="en-US" dirty="0"/>
@@ -5523,6 +5508,1041 @@
     <p:extLst>
       <p:ext uri="{BB962C8B-B14F-4D97-AF65-F5344CB8AC3E}">
         <p14:creationId xmlns:p14="http://schemas.microsoft.com/office/powerpoint/2010/main" val="3748218148"/>
+      </p:ext>
+    </p:extLst>
+  </p:cSld>
+  <p:clrMapOvr>
+    <a:masterClrMapping/>
+  </p:clrMapOvr>
+</p:sld>
+</file>
+
+<file path=ppt/slides/slide3.xml><?xml version="1.0" encoding="utf-8"?>
+<p:sld xmlns:a="http://schemas.openxmlformats.org/drawingml/2006/main" xmlns:r="http://schemas.openxmlformats.org/officeDocument/2006/relationships" xmlns:p="http://schemas.openxmlformats.org/presentationml/2006/main">
+  <p:cSld>
+    <p:spTree>
+      <p:nvGrpSpPr>
+        <p:cNvPr id="1" name=""/>
+        <p:cNvGrpSpPr/>
+        <p:nvPr/>
+      </p:nvGrpSpPr>
+      <p:grpSpPr>
+        <a:xfrm>
+          <a:off x="0" y="0"/>
+          <a:ext cx="0" cy="0"/>
+          <a:chOff x="0" y="0"/>
+          <a:chExt cx="0" cy="0"/>
+        </a:xfrm>
+      </p:grpSpPr>
+      <p:sp>
+        <p:nvSpPr>
+          <p:cNvPr id="2" name="AutoShape 2" descr="MariaDB - 나무위키"/>
+          <p:cNvSpPr>
+            <a:spLocks noChangeAspect="1" noChangeArrowheads="1"/>
+          </p:cNvSpPr>
+          <p:nvPr/>
+        </p:nvSpPr>
+        <p:spPr bwMode="auto">
+          <a:xfrm>
+            <a:off x="168275" y="-144463"/>
+            <a:ext cx="304800" cy="304801"/>
+          </a:xfrm>
+          <a:prstGeom prst="rect">
+            <a:avLst/>
+          </a:prstGeom>
+          <a:noFill/>
+          <a:extLst>
+            <a:ext uri="{909E8E84-426E-40DD-AFC4-6F175D3DCCD1}">
+              <a14:hiddenFill xmlns:a14="http://schemas.microsoft.com/office/drawing/2010/main">
+                <a:solidFill>
+                  <a:srgbClr val="FFFFFF"/>
+                </a:solidFill>
+              </a14:hiddenFill>
+            </a:ext>
+          </a:extLst>
+        </p:spPr>
+        <p:txBody>
+          <a:bodyPr vert="horz" wrap="square" lIns="91440" tIns="45720" rIns="91440" bIns="45720" numCol="1" anchor="t" anchorCtr="0" compatLnSpc="1">
+            <a:prstTxWarp prst="textNoShape">
+              <a:avLst/>
+            </a:prstTxWarp>
+          </a:bodyPr>
+          <a:lstStyle/>
+          <a:p>
+            <a:endParaRPr lang="ko-KR" altLang="en-US"/>
+          </a:p>
+        </p:txBody>
+      </p:sp>
+      <p:cxnSp>
+        <p:nvCxnSpPr>
+          <p:cNvPr id="4" name="꺾인 연결선 3"/>
+          <p:cNvCxnSpPr>
+            <a:endCxn id="5" idx="0"/>
+          </p:cNvCxnSpPr>
+          <p:nvPr/>
+        </p:nvCxnSpPr>
+        <p:spPr>
+          <a:xfrm rot="10800000">
+            <a:off x="970830" y="2838642"/>
+            <a:ext cx="7399541" cy="3263592"/>
+          </a:xfrm>
+          <a:prstGeom prst="bentConnector4">
+            <a:avLst>
+              <a:gd name="adj1" fmla="val -4328"/>
+              <a:gd name="adj2" fmla="val 145697"/>
+            </a:avLst>
+          </a:prstGeom>
+          <a:ln>
+            <a:tailEnd type="triangle" w="med" len="lg"/>
+          </a:ln>
+        </p:spPr>
+        <p:style>
+          <a:lnRef idx="3">
+            <a:schemeClr val="accent3"/>
+          </a:lnRef>
+          <a:fillRef idx="0">
+            <a:schemeClr val="accent3"/>
+          </a:fillRef>
+          <a:effectRef idx="2">
+            <a:schemeClr val="accent3"/>
+          </a:effectRef>
+          <a:fontRef idx="minor">
+            <a:schemeClr val="tx1"/>
+          </a:fontRef>
+        </p:style>
+      </p:cxnSp>
+      <p:sp>
+        <p:nvSpPr>
+          <p:cNvPr id="5" name="직사각형 4"/>
+          <p:cNvSpPr/>
+          <p:nvPr/>
+        </p:nvSpPr>
+        <p:spPr>
+          <a:xfrm>
+            <a:off x="106733" y="2838642"/>
+            <a:ext cx="1728192" cy="432048"/>
+          </a:xfrm>
+          <a:prstGeom prst="rect">
+            <a:avLst/>
+          </a:prstGeom>
+        </p:spPr>
+        <p:style>
+          <a:lnRef idx="2">
+            <a:schemeClr val="accent3">
+              <a:shade val="50000"/>
+            </a:schemeClr>
+          </a:lnRef>
+          <a:fillRef idx="1">
+            <a:schemeClr val="accent3"/>
+          </a:fillRef>
+          <a:effectRef idx="0">
+            <a:schemeClr val="accent3"/>
+          </a:effectRef>
+          <a:fontRef idx="minor">
+            <a:schemeClr val="lt1"/>
+          </a:fontRef>
+        </p:style>
+        <p:txBody>
+          <a:bodyPr rtlCol="0" anchor="ctr"/>
+          <a:lstStyle/>
+          <a:p>
+            <a:pPr algn="ctr"/>
+            <a:r>
+              <a:rPr lang="en-US" altLang="ko-KR" sz="1600" dirty="0" err="1" smtClean="0"/>
+              <a:t>faqList.jsp</a:t>
+            </a:r>
+            <a:endParaRPr lang="ko-KR" altLang="en-US" sz="1600" dirty="0"/>
+          </a:p>
+        </p:txBody>
+      </p:sp>
+      <p:sp>
+        <p:nvSpPr>
+          <p:cNvPr id="6" name="직사각형 5"/>
+          <p:cNvSpPr/>
+          <p:nvPr/>
+        </p:nvSpPr>
+        <p:spPr>
+          <a:xfrm>
+            <a:off x="2195736" y="1760639"/>
+            <a:ext cx="2232248" cy="432048"/>
+          </a:xfrm>
+          <a:prstGeom prst="rect">
+            <a:avLst/>
+          </a:prstGeom>
+        </p:spPr>
+        <p:style>
+          <a:lnRef idx="2">
+            <a:schemeClr val="accent1">
+              <a:shade val="50000"/>
+            </a:schemeClr>
+          </a:lnRef>
+          <a:fillRef idx="1">
+            <a:schemeClr val="accent1"/>
+          </a:fillRef>
+          <a:effectRef idx="0">
+            <a:schemeClr val="accent1"/>
+          </a:effectRef>
+          <a:fontRef idx="minor">
+            <a:schemeClr val="lt1"/>
+          </a:fontRef>
+        </p:style>
+        <p:txBody>
+          <a:bodyPr rtlCol="0" anchor="ctr"/>
+          <a:lstStyle/>
+          <a:p>
+            <a:pPr algn="ctr"/>
+            <a:r>
+              <a:rPr lang="en-US" altLang="ko-KR" sz="1600" dirty="0" err="1" smtClean="0"/>
+              <a:t>addFaq.jsp</a:t>
+            </a:r>
+            <a:endParaRPr lang="ko-KR" altLang="en-US" sz="1600" dirty="0"/>
+          </a:p>
+        </p:txBody>
+      </p:sp>
+      <p:sp>
+        <p:nvSpPr>
+          <p:cNvPr id="7" name="직사각형 6"/>
+          <p:cNvSpPr/>
+          <p:nvPr/>
+        </p:nvSpPr>
+        <p:spPr>
+          <a:xfrm>
+            <a:off x="5220072" y="1760639"/>
+            <a:ext cx="2232248" cy="432048"/>
+          </a:xfrm>
+          <a:prstGeom prst="rect">
+            <a:avLst/>
+          </a:prstGeom>
+        </p:spPr>
+        <p:style>
+          <a:lnRef idx="2">
+            <a:schemeClr val="accent1">
+              <a:shade val="50000"/>
+            </a:schemeClr>
+          </a:lnRef>
+          <a:fillRef idx="1">
+            <a:schemeClr val="accent1"/>
+          </a:fillRef>
+          <a:effectRef idx="0">
+            <a:schemeClr val="accent1"/>
+          </a:effectRef>
+          <a:fontRef idx="minor">
+            <a:schemeClr val="lt1"/>
+          </a:fontRef>
+        </p:style>
+        <p:txBody>
+          <a:bodyPr rtlCol="0" anchor="ctr"/>
+          <a:lstStyle/>
+          <a:p>
+            <a:pPr algn="ctr"/>
+            <a:r>
+              <a:rPr lang="en-US" altLang="ko-KR" sz="1600" dirty="0" err="1" smtClean="0"/>
+              <a:t>addfaqPro.jsp</a:t>
+            </a:r>
+            <a:endParaRPr lang="ko-KR" altLang="en-US" sz="1600" dirty="0"/>
+          </a:p>
+        </p:txBody>
+      </p:sp>
+      <p:sp>
+        <p:nvSpPr>
+          <p:cNvPr id="8" name="원통 7"/>
+          <p:cNvSpPr/>
+          <p:nvPr/>
+        </p:nvSpPr>
+        <p:spPr>
+          <a:xfrm>
+            <a:off x="8316416" y="2924944"/>
+            <a:ext cx="720080" cy="3312368"/>
+          </a:xfrm>
+          <a:prstGeom prst="can">
+            <a:avLst/>
+          </a:prstGeom>
+        </p:spPr>
+        <p:style>
+          <a:lnRef idx="2">
+            <a:schemeClr val="accent3">
+              <a:shade val="50000"/>
+            </a:schemeClr>
+          </a:lnRef>
+          <a:fillRef idx="1">
+            <a:schemeClr val="accent3"/>
+          </a:fillRef>
+          <a:effectRef idx="0">
+            <a:schemeClr val="accent3"/>
+          </a:effectRef>
+          <a:fontRef idx="minor">
+            <a:schemeClr val="lt1"/>
+          </a:fontRef>
+        </p:style>
+        <p:txBody>
+          <a:bodyPr rtlCol="0" anchor="ctr"/>
+          <a:lstStyle/>
+          <a:p>
+            <a:pPr algn="ctr"/>
+            <a:endParaRPr lang="ko-KR" altLang="en-US" dirty="0"/>
+          </a:p>
+        </p:txBody>
+      </p:sp>
+      <p:cxnSp>
+        <p:nvCxnSpPr>
+          <p:cNvPr id="9" name="직선 화살표 연결선 8"/>
+          <p:cNvCxnSpPr>
+            <a:stCxn id="5" idx="0"/>
+            <a:endCxn id="6" idx="1"/>
+          </p:cNvCxnSpPr>
+          <p:nvPr/>
+        </p:nvCxnSpPr>
+        <p:spPr>
+          <a:xfrm flipV="1">
+            <a:off x="970829" y="1976663"/>
+            <a:ext cx="1224907" cy="861979"/>
+          </a:xfrm>
+          <a:prstGeom prst="straightConnector1">
+            <a:avLst/>
+          </a:prstGeom>
+          <a:ln>
+            <a:tailEnd type="triangle" w="med" len="lg"/>
+          </a:ln>
+        </p:spPr>
+        <p:style>
+          <a:lnRef idx="3">
+            <a:schemeClr val="accent1"/>
+          </a:lnRef>
+          <a:fillRef idx="0">
+            <a:schemeClr val="accent1"/>
+          </a:fillRef>
+          <a:effectRef idx="2">
+            <a:schemeClr val="accent1"/>
+          </a:effectRef>
+          <a:fontRef idx="minor">
+            <a:schemeClr val="tx1"/>
+          </a:fontRef>
+        </p:style>
+      </p:cxnSp>
+      <p:cxnSp>
+        <p:nvCxnSpPr>
+          <p:cNvPr id="10" name="직선 화살표 연결선 9"/>
+          <p:cNvCxnSpPr>
+            <a:stCxn id="6" idx="3"/>
+            <a:endCxn id="7" idx="1"/>
+          </p:cNvCxnSpPr>
+          <p:nvPr/>
+        </p:nvCxnSpPr>
+        <p:spPr>
+          <a:xfrm>
+            <a:off x="4427984" y="1976663"/>
+            <a:ext cx="792088" cy="0"/>
+          </a:xfrm>
+          <a:prstGeom prst="straightConnector1">
+            <a:avLst/>
+          </a:prstGeom>
+          <a:ln>
+            <a:tailEnd type="triangle" w="med" len="lg"/>
+          </a:ln>
+        </p:spPr>
+        <p:style>
+          <a:lnRef idx="3">
+            <a:schemeClr val="accent1"/>
+          </a:lnRef>
+          <a:fillRef idx="0">
+            <a:schemeClr val="accent1"/>
+          </a:fillRef>
+          <a:effectRef idx="2">
+            <a:schemeClr val="accent1"/>
+          </a:effectRef>
+          <a:fontRef idx="minor">
+            <a:schemeClr val="tx1"/>
+          </a:fontRef>
+        </p:style>
+      </p:cxnSp>
+      <p:cxnSp>
+        <p:nvCxnSpPr>
+          <p:cNvPr id="11" name="직선 화살표 연결선 10"/>
+          <p:cNvCxnSpPr>
+            <a:stCxn id="7" idx="3"/>
+          </p:cNvCxnSpPr>
+          <p:nvPr/>
+        </p:nvCxnSpPr>
+        <p:spPr>
+          <a:xfrm>
+            <a:off x="7452320" y="1976663"/>
+            <a:ext cx="864096" cy="1166707"/>
+          </a:xfrm>
+          <a:prstGeom prst="straightConnector1">
+            <a:avLst/>
+          </a:prstGeom>
+          <a:ln>
+            <a:tailEnd type="triangle" w="med" len="lg"/>
+          </a:ln>
+        </p:spPr>
+        <p:style>
+          <a:lnRef idx="3">
+            <a:schemeClr val="accent1"/>
+          </a:lnRef>
+          <a:fillRef idx="0">
+            <a:schemeClr val="accent1"/>
+          </a:fillRef>
+          <a:effectRef idx="2">
+            <a:schemeClr val="accent1"/>
+          </a:effectRef>
+          <a:fontRef idx="minor">
+            <a:schemeClr val="tx1"/>
+          </a:fontRef>
+        </p:style>
+      </p:cxnSp>
+      <p:sp>
+        <p:nvSpPr>
+          <p:cNvPr id="12" name="TextBox 11"/>
+          <p:cNvSpPr txBox="1"/>
+          <p:nvPr/>
+        </p:nvSpPr>
+        <p:spPr>
+          <a:xfrm>
+            <a:off x="4498654" y="1547500"/>
+            <a:ext cx="518091" cy="369332"/>
+          </a:xfrm>
+          <a:prstGeom prst="rect">
+            <a:avLst/>
+          </a:prstGeom>
+          <a:noFill/>
+        </p:spPr>
+        <p:txBody>
+          <a:bodyPr wrap="none" rtlCol="0">
+            <a:spAutoFit/>
+          </a:bodyPr>
+          <a:lstStyle/>
+          <a:p>
+            <a:r>
+              <a:rPr lang="en-US" altLang="ko-KR" dirty="0" err="1" smtClean="0"/>
+              <a:t>faq</a:t>
+            </a:r>
+            <a:endParaRPr lang="ko-KR" altLang="en-US" dirty="0"/>
+          </a:p>
+        </p:txBody>
+      </p:sp>
+      <p:sp>
+        <p:nvSpPr>
+          <p:cNvPr id="13" name="TextBox 12"/>
+          <p:cNvSpPr txBox="1"/>
+          <p:nvPr/>
+        </p:nvSpPr>
+        <p:spPr>
+          <a:xfrm rot="3176174">
+            <a:off x="7724308" y="2098053"/>
+            <a:ext cx="518091" cy="369332"/>
+          </a:xfrm>
+          <a:prstGeom prst="rect">
+            <a:avLst/>
+          </a:prstGeom>
+          <a:noFill/>
+        </p:spPr>
+        <p:txBody>
+          <a:bodyPr wrap="none" rtlCol="0">
+            <a:spAutoFit/>
+          </a:bodyPr>
+          <a:lstStyle/>
+          <a:p>
+            <a:r>
+              <a:rPr lang="en-US" altLang="ko-KR" dirty="0" err="1" smtClean="0"/>
+              <a:t>faq</a:t>
+            </a:r>
+            <a:endParaRPr lang="ko-KR" altLang="en-US" dirty="0"/>
+          </a:p>
+        </p:txBody>
+      </p:sp>
+      <p:sp>
+        <p:nvSpPr>
+          <p:cNvPr id="15" name="직사각형 14"/>
+          <p:cNvSpPr/>
+          <p:nvPr/>
+        </p:nvSpPr>
+        <p:spPr>
+          <a:xfrm>
+            <a:off x="2915816" y="4581128"/>
+            <a:ext cx="1800200" cy="432048"/>
+          </a:xfrm>
+          <a:prstGeom prst="rect">
+            <a:avLst/>
+          </a:prstGeom>
+        </p:spPr>
+        <p:style>
+          <a:lnRef idx="2">
+            <a:schemeClr val="accent4">
+              <a:shade val="50000"/>
+            </a:schemeClr>
+          </a:lnRef>
+          <a:fillRef idx="1">
+            <a:schemeClr val="accent4"/>
+          </a:fillRef>
+          <a:effectRef idx="0">
+            <a:schemeClr val="accent4"/>
+          </a:effectRef>
+          <a:fontRef idx="minor">
+            <a:schemeClr val="lt1"/>
+          </a:fontRef>
+        </p:style>
+        <p:txBody>
+          <a:bodyPr rtlCol="0" anchor="ctr"/>
+          <a:lstStyle/>
+          <a:p>
+            <a:pPr algn="ctr"/>
+            <a:r>
+              <a:rPr lang="en-US" altLang="ko-KR" sz="1600" dirty="0" err="1" smtClean="0"/>
+              <a:t>updateFaq.jsp</a:t>
+            </a:r>
+            <a:endParaRPr lang="ko-KR" altLang="en-US" sz="1600" dirty="0"/>
+          </a:p>
+        </p:txBody>
+      </p:sp>
+      <p:sp>
+        <p:nvSpPr>
+          <p:cNvPr id="16" name="직사각형 15"/>
+          <p:cNvSpPr/>
+          <p:nvPr/>
+        </p:nvSpPr>
+        <p:spPr>
+          <a:xfrm>
+            <a:off x="971600" y="5373216"/>
+            <a:ext cx="1656184" cy="432048"/>
+          </a:xfrm>
+          <a:prstGeom prst="rect">
+            <a:avLst/>
+          </a:prstGeom>
+        </p:spPr>
+        <p:style>
+          <a:lnRef idx="2">
+            <a:schemeClr val="dk1">
+              <a:shade val="50000"/>
+            </a:schemeClr>
+          </a:lnRef>
+          <a:fillRef idx="1">
+            <a:schemeClr val="dk1"/>
+          </a:fillRef>
+          <a:effectRef idx="0">
+            <a:schemeClr val="dk1"/>
+          </a:effectRef>
+          <a:fontRef idx="minor">
+            <a:schemeClr val="lt1"/>
+          </a:fontRef>
+        </p:style>
+        <p:txBody>
+          <a:bodyPr rtlCol="0" anchor="ctr"/>
+          <a:lstStyle/>
+          <a:p>
+            <a:pPr algn="ctr"/>
+            <a:r>
+              <a:rPr lang="en-US" altLang="ko-KR" sz="1600" dirty="0" err="1" smtClean="0"/>
+              <a:t>delFaq.jsp</a:t>
+            </a:r>
+            <a:endParaRPr lang="ko-KR" altLang="en-US" sz="1600" dirty="0"/>
+          </a:p>
+        </p:txBody>
+      </p:sp>
+      <p:sp>
+        <p:nvSpPr>
+          <p:cNvPr id="18" name="직사각형 17"/>
+          <p:cNvSpPr/>
+          <p:nvPr/>
+        </p:nvSpPr>
+        <p:spPr>
+          <a:xfrm>
+            <a:off x="5508104" y="4581128"/>
+            <a:ext cx="2160240" cy="432048"/>
+          </a:xfrm>
+          <a:prstGeom prst="rect">
+            <a:avLst/>
+          </a:prstGeom>
+        </p:spPr>
+        <p:style>
+          <a:lnRef idx="2">
+            <a:schemeClr val="accent4">
+              <a:shade val="50000"/>
+            </a:schemeClr>
+          </a:lnRef>
+          <a:fillRef idx="1">
+            <a:schemeClr val="accent4"/>
+          </a:fillRef>
+          <a:effectRef idx="0">
+            <a:schemeClr val="accent4"/>
+          </a:effectRef>
+          <a:fontRef idx="minor">
+            <a:schemeClr val="lt1"/>
+          </a:fontRef>
+        </p:style>
+        <p:txBody>
+          <a:bodyPr rtlCol="0" anchor="ctr"/>
+          <a:lstStyle/>
+          <a:p>
+            <a:pPr algn="ctr"/>
+            <a:r>
+              <a:rPr lang="en-US" altLang="ko-KR" sz="1600" dirty="0" err="1" smtClean="0"/>
+              <a:t>updateFaqPro.jsp</a:t>
+            </a:r>
+            <a:endParaRPr lang="ko-KR" altLang="en-US" sz="1600" dirty="0"/>
+          </a:p>
+        </p:txBody>
+      </p:sp>
+      <p:cxnSp>
+        <p:nvCxnSpPr>
+          <p:cNvPr id="19" name="직선 화살표 연결선 18"/>
+          <p:cNvCxnSpPr>
+            <a:stCxn id="15" idx="3"/>
+            <a:endCxn id="18" idx="1"/>
+          </p:cNvCxnSpPr>
+          <p:nvPr/>
+        </p:nvCxnSpPr>
+        <p:spPr>
+          <a:xfrm>
+            <a:off x="4716016" y="4797152"/>
+            <a:ext cx="792088" cy="0"/>
+          </a:xfrm>
+          <a:prstGeom prst="straightConnector1">
+            <a:avLst/>
+          </a:prstGeom>
+          <a:ln>
+            <a:tailEnd type="triangle" w="med" len="lg"/>
+          </a:ln>
+        </p:spPr>
+        <p:style>
+          <a:lnRef idx="3">
+            <a:schemeClr val="accent4"/>
+          </a:lnRef>
+          <a:fillRef idx="0">
+            <a:schemeClr val="accent4"/>
+          </a:fillRef>
+          <a:effectRef idx="2">
+            <a:schemeClr val="accent4"/>
+          </a:effectRef>
+          <a:fontRef idx="minor">
+            <a:schemeClr val="tx1"/>
+          </a:fontRef>
+        </p:style>
+      </p:cxnSp>
+      <p:cxnSp>
+        <p:nvCxnSpPr>
+          <p:cNvPr id="20" name="직선 화살표 연결선 19"/>
+          <p:cNvCxnSpPr>
+            <a:stCxn id="18" idx="3"/>
+          </p:cNvCxnSpPr>
+          <p:nvPr/>
+        </p:nvCxnSpPr>
+        <p:spPr>
+          <a:xfrm>
+            <a:off x="7668344" y="4797152"/>
+            <a:ext cx="648072" cy="0"/>
+          </a:xfrm>
+          <a:prstGeom prst="straightConnector1">
+            <a:avLst/>
+          </a:prstGeom>
+          <a:ln>
+            <a:tailEnd type="triangle" w="med" len="lg"/>
+          </a:ln>
+        </p:spPr>
+        <p:style>
+          <a:lnRef idx="3">
+            <a:schemeClr val="accent4"/>
+          </a:lnRef>
+          <a:fillRef idx="0">
+            <a:schemeClr val="accent4"/>
+          </a:fillRef>
+          <a:effectRef idx="2">
+            <a:schemeClr val="accent4"/>
+          </a:effectRef>
+          <a:fontRef idx="minor">
+            <a:schemeClr val="tx1"/>
+          </a:fontRef>
+        </p:style>
+      </p:cxnSp>
+      <p:cxnSp>
+        <p:nvCxnSpPr>
+          <p:cNvPr id="21" name="직선 화살표 연결선 20"/>
+          <p:cNvCxnSpPr>
+            <a:stCxn id="5" idx="2"/>
+            <a:endCxn id="15" idx="1"/>
+          </p:cNvCxnSpPr>
+          <p:nvPr/>
+        </p:nvCxnSpPr>
+        <p:spPr>
+          <a:xfrm>
+            <a:off x="970829" y="3270690"/>
+            <a:ext cx="1944987" cy="1526462"/>
+          </a:xfrm>
+          <a:prstGeom prst="straightConnector1">
+            <a:avLst/>
+          </a:prstGeom>
+          <a:ln>
+            <a:tailEnd type="triangle" w="med" len="lg"/>
+          </a:ln>
+        </p:spPr>
+        <p:style>
+          <a:lnRef idx="3">
+            <a:schemeClr val="accent6"/>
+          </a:lnRef>
+          <a:fillRef idx="0">
+            <a:schemeClr val="accent6"/>
+          </a:fillRef>
+          <a:effectRef idx="2">
+            <a:schemeClr val="accent6"/>
+          </a:effectRef>
+          <a:fontRef idx="minor">
+            <a:schemeClr val="tx1"/>
+          </a:fontRef>
+        </p:style>
+      </p:cxnSp>
+      <p:cxnSp>
+        <p:nvCxnSpPr>
+          <p:cNvPr id="22" name="직선 화살표 연결선 21"/>
+          <p:cNvCxnSpPr>
+            <a:stCxn id="5" idx="2"/>
+            <a:endCxn id="16" idx="0"/>
+          </p:cNvCxnSpPr>
+          <p:nvPr/>
+        </p:nvCxnSpPr>
+        <p:spPr>
+          <a:xfrm>
+            <a:off x="970829" y="3270690"/>
+            <a:ext cx="828863" cy="2102526"/>
+          </a:xfrm>
+          <a:prstGeom prst="straightConnector1">
+            <a:avLst/>
+          </a:prstGeom>
+          <a:ln>
+            <a:tailEnd type="triangle" w="med" len="lg"/>
+          </a:ln>
+        </p:spPr>
+        <p:style>
+          <a:lnRef idx="3">
+            <a:schemeClr val="accent5"/>
+          </a:lnRef>
+          <a:fillRef idx="0">
+            <a:schemeClr val="accent5"/>
+          </a:fillRef>
+          <a:effectRef idx="2">
+            <a:schemeClr val="accent5"/>
+          </a:effectRef>
+          <a:fontRef idx="minor">
+            <a:schemeClr val="tx1"/>
+          </a:fontRef>
+        </p:style>
+      </p:cxnSp>
+      <p:cxnSp>
+        <p:nvCxnSpPr>
+          <p:cNvPr id="23" name="직선 화살표 연결선 22"/>
+          <p:cNvCxnSpPr>
+            <a:stCxn id="16" idx="3"/>
+          </p:cNvCxnSpPr>
+          <p:nvPr/>
+        </p:nvCxnSpPr>
+        <p:spPr>
+          <a:xfrm>
+            <a:off x="2627784" y="5589240"/>
+            <a:ext cx="5688632" cy="0"/>
+          </a:xfrm>
+          <a:prstGeom prst="straightConnector1">
+            <a:avLst/>
+          </a:prstGeom>
+          <a:ln>
+            <a:tailEnd type="triangle" w="med" len="lg"/>
+          </a:ln>
+        </p:spPr>
+        <p:style>
+          <a:lnRef idx="3">
+            <a:schemeClr val="accent5"/>
+          </a:lnRef>
+          <a:fillRef idx="0">
+            <a:schemeClr val="accent5"/>
+          </a:fillRef>
+          <a:effectRef idx="2">
+            <a:schemeClr val="accent5"/>
+          </a:effectRef>
+          <a:fontRef idx="minor">
+            <a:schemeClr val="tx1"/>
+          </a:fontRef>
+        </p:style>
+      </p:cxnSp>
+      <p:sp>
+        <p:nvSpPr>
+          <p:cNvPr id="25" name="TextBox 24"/>
+          <p:cNvSpPr txBox="1"/>
+          <p:nvPr/>
+        </p:nvSpPr>
+        <p:spPr>
+          <a:xfrm>
+            <a:off x="4788024" y="4355812"/>
+            <a:ext cx="518091" cy="369332"/>
+          </a:xfrm>
+          <a:prstGeom prst="rect">
+            <a:avLst/>
+          </a:prstGeom>
+          <a:noFill/>
+        </p:spPr>
+        <p:txBody>
+          <a:bodyPr wrap="none" rtlCol="0">
+            <a:spAutoFit/>
+          </a:bodyPr>
+          <a:lstStyle/>
+          <a:p>
+            <a:r>
+              <a:rPr lang="en-US" altLang="ko-KR" dirty="0" err="1" smtClean="0"/>
+              <a:t>faq</a:t>
+            </a:r>
+            <a:endParaRPr lang="ko-KR" altLang="en-US" dirty="0"/>
+          </a:p>
+        </p:txBody>
+      </p:sp>
+      <p:sp>
+        <p:nvSpPr>
+          <p:cNvPr id="27" name="TextBox 26"/>
+          <p:cNvSpPr txBox="1"/>
+          <p:nvPr/>
+        </p:nvSpPr>
+        <p:spPr>
+          <a:xfrm rot="2879415">
+            <a:off x="1535035" y="4285772"/>
+            <a:ext cx="529312" cy="369332"/>
+          </a:xfrm>
+          <a:prstGeom prst="rect">
+            <a:avLst/>
+          </a:prstGeom>
+          <a:noFill/>
+        </p:spPr>
+        <p:txBody>
+          <a:bodyPr wrap="none" rtlCol="0">
+            <a:spAutoFit/>
+          </a:bodyPr>
+          <a:lstStyle/>
+          <a:p>
+            <a:r>
+              <a:rPr lang="en-US" altLang="ko-KR" dirty="0" err="1" smtClean="0"/>
+              <a:t>fno</a:t>
+            </a:r>
+            <a:endParaRPr lang="ko-KR" altLang="en-US" dirty="0"/>
+          </a:p>
+        </p:txBody>
+      </p:sp>
+      <p:sp>
+        <p:nvSpPr>
+          <p:cNvPr id="29" name="TextBox 28"/>
+          <p:cNvSpPr txBox="1"/>
+          <p:nvPr/>
+        </p:nvSpPr>
+        <p:spPr>
+          <a:xfrm>
+            <a:off x="4272959" y="917658"/>
+            <a:ext cx="1555234" cy="369332"/>
+          </a:xfrm>
+          <a:prstGeom prst="rect">
+            <a:avLst/>
+          </a:prstGeom>
+          <a:noFill/>
+        </p:spPr>
+        <p:txBody>
+          <a:bodyPr wrap="none" rtlCol="0">
+            <a:spAutoFit/>
+          </a:bodyPr>
+          <a:lstStyle/>
+          <a:p>
+            <a:r>
+              <a:rPr lang="en-US" altLang="ko-KR" dirty="0" err="1" smtClean="0"/>
+              <a:t>ArrayList</a:t>
+            </a:r>
+            <a:r>
+              <a:rPr lang="en-US" altLang="ko-KR" dirty="0" smtClean="0"/>
+              <a:t>(</a:t>
+            </a:r>
+            <a:r>
+              <a:rPr lang="en-US" altLang="ko-KR" dirty="0" err="1" smtClean="0"/>
+              <a:t>faq</a:t>
+            </a:r>
+            <a:r>
+              <a:rPr lang="en-US" altLang="ko-KR" dirty="0" smtClean="0"/>
+              <a:t>)</a:t>
+            </a:r>
+            <a:endParaRPr lang="ko-KR" altLang="en-US" dirty="0"/>
+          </a:p>
+        </p:txBody>
+      </p:sp>
+      <p:sp>
+        <p:nvSpPr>
+          <p:cNvPr id="30" name="TextBox 29"/>
+          <p:cNvSpPr txBox="1"/>
+          <p:nvPr/>
+        </p:nvSpPr>
+        <p:spPr>
+          <a:xfrm>
+            <a:off x="3563888" y="5219304"/>
+            <a:ext cx="529312" cy="369332"/>
+          </a:xfrm>
+          <a:prstGeom prst="rect">
+            <a:avLst/>
+          </a:prstGeom>
+          <a:noFill/>
+        </p:spPr>
+        <p:txBody>
+          <a:bodyPr wrap="none" rtlCol="0">
+            <a:spAutoFit/>
+          </a:bodyPr>
+          <a:lstStyle/>
+          <a:p>
+            <a:r>
+              <a:rPr lang="en-US" altLang="ko-KR" dirty="0" err="1"/>
+              <a:t>f</a:t>
+            </a:r>
+            <a:r>
+              <a:rPr lang="en-US" altLang="ko-KR" dirty="0" err="1" smtClean="0"/>
+              <a:t>no</a:t>
+            </a:r>
+            <a:endParaRPr lang="ko-KR" altLang="en-US" dirty="0"/>
+          </a:p>
+        </p:txBody>
+      </p:sp>
+      <p:sp>
+        <p:nvSpPr>
+          <p:cNvPr id="31" name="TextBox 30"/>
+          <p:cNvSpPr txBox="1"/>
+          <p:nvPr/>
+        </p:nvSpPr>
+        <p:spPr>
+          <a:xfrm>
+            <a:off x="1259632" y="130938"/>
+            <a:ext cx="6600589" cy="707886"/>
+          </a:xfrm>
+          <a:prstGeom prst="rect">
+            <a:avLst/>
+          </a:prstGeom>
+          <a:noFill/>
+        </p:spPr>
+        <p:txBody>
+          <a:bodyPr wrap="none" rtlCol="0">
+            <a:spAutoFit/>
+          </a:bodyPr>
+          <a:lstStyle/>
+          <a:p>
+            <a:r>
+              <a:rPr lang="ko-KR" altLang="en-US" sz="4000" dirty="0" smtClean="0"/>
+              <a:t>기능 흐름도</a:t>
+            </a:r>
+            <a:r>
+              <a:rPr lang="en-US" altLang="ko-KR" sz="4000" dirty="0" smtClean="0"/>
+              <a:t>(Unit Task Flow)</a:t>
+            </a:r>
+            <a:endParaRPr lang="ko-KR" altLang="en-US" sz="4000" dirty="0"/>
+          </a:p>
+        </p:txBody>
+      </p:sp>
+      <p:pic>
+        <p:nvPicPr>
+          <p:cNvPr id="32" name="Picture 4" descr="Amazon RDS for MariaDB – Amazon Web Services(AWS)"/>
+          <p:cNvPicPr>
+            <a:picLocks noChangeAspect="1" noChangeArrowheads="1"/>
+          </p:cNvPicPr>
+          <p:nvPr/>
+        </p:nvPicPr>
+        <p:blipFill>
+          <a:blip r:embed="rId2" cstate="print">
+            <a:extLst>
+              <a:ext uri="{28A0092B-C50C-407E-A947-70E740481C1C}">
+                <a14:useLocalDpi xmlns:a14="http://schemas.microsoft.com/office/drawing/2010/main" val="0"/>
+              </a:ext>
+            </a:extLst>
+          </a:blip>
+          <a:srcRect/>
+          <a:stretch>
+            <a:fillRect/>
+          </a:stretch>
+        </p:blipFill>
+        <p:spPr bwMode="auto">
+          <a:xfrm>
+            <a:off x="8207896" y="5445224"/>
+            <a:ext cx="936104" cy="481818"/>
+          </a:xfrm>
+          <a:prstGeom prst="rect">
+            <a:avLst/>
+          </a:prstGeom>
+          <a:noFill/>
+          <a:extLst>
+            <a:ext uri="{909E8E84-426E-40DD-AFC4-6F175D3DCCD1}">
+              <a14:hiddenFill xmlns:a14="http://schemas.microsoft.com/office/drawing/2010/main">
+                <a:solidFill>
+                  <a:srgbClr val="FFFFFF"/>
+                </a:solidFill>
+              </a14:hiddenFill>
+            </a:ext>
+          </a:extLst>
+        </p:spPr>
+      </p:pic>
+      <p:sp>
+        <p:nvSpPr>
+          <p:cNvPr id="33" name="TextBox 32"/>
+          <p:cNvSpPr txBox="1"/>
+          <p:nvPr/>
+        </p:nvSpPr>
+        <p:spPr>
+          <a:xfrm>
+            <a:off x="7668344" y="4356166"/>
+            <a:ext cx="518091" cy="369332"/>
+          </a:xfrm>
+          <a:prstGeom prst="rect">
+            <a:avLst/>
+          </a:prstGeom>
+          <a:noFill/>
+        </p:spPr>
+        <p:txBody>
+          <a:bodyPr wrap="none" rtlCol="0">
+            <a:spAutoFit/>
+          </a:bodyPr>
+          <a:lstStyle/>
+          <a:p>
+            <a:r>
+              <a:rPr lang="en-US" altLang="ko-KR" dirty="0" err="1" smtClean="0"/>
+              <a:t>faq</a:t>
+            </a:r>
+            <a:endParaRPr lang="ko-KR" altLang="en-US" dirty="0"/>
+          </a:p>
+        </p:txBody>
+      </p:sp>
+      <p:sp>
+        <p:nvSpPr>
+          <p:cNvPr id="34" name="TextBox 33"/>
+          <p:cNvSpPr txBox="1"/>
+          <p:nvPr/>
+        </p:nvSpPr>
+        <p:spPr>
+          <a:xfrm>
+            <a:off x="3713448" y="6021288"/>
+            <a:ext cx="2140330" cy="461665"/>
+          </a:xfrm>
+          <a:prstGeom prst="rect">
+            <a:avLst/>
+          </a:prstGeom>
+          <a:noFill/>
+        </p:spPr>
+        <p:txBody>
+          <a:bodyPr wrap="none" rtlCol="0">
+            <a:spAutoFit/>
+          </a:bodyPr>
+          <a:lstStyle/>
+          <a:p>
+            <a:r>
+              <a:rPr lang="ko-KR" altLang="en-US" sz="2400" b="1" dirty="0" smtClean="0">
+                <a:solidFill>
+                  <a:srgbClr val="FF0000"/>
+                </a:solidFill>
+              </a:rPr>
+              <a:t>자주하는 질문</a:t>
+            </a:r>
+            <a:endParaRPr lang="ko-KR" altLang="en-US" sz="2400" b="1" dirty="0">
+              <a:solidFill>
+                <a:srgbClr val="FF0000"/>
+              </a:solidFill>
+            </a:endParaRPr>
+          </a:p>
+        </p:txBody>
+      </p:sp>
+    </p:spTree>
+    <p:extLst>
+      <p:ext uri="{BB962C8B-B14F-4D97-AF65-F5344CB8AC3E}">
+        <p14:creationId xmlns:p14="http://schemas.microsoft.com/office/powerpoint/2010/main" val="3889723540"/>
       </p:ext>
     </p:extLst>
   </p:cSld>
